--- a/Objetos.pptx
+++ b/Objetos.pptx
@@ -197,7 +197,7 @@
           <a:p>
             <a:fld id="{0A431ACC-DC44-4734-B0B2-566C60C479A7}" type="datetimeFigureOut">
               <a:rPr lang="en-US" smtClean="0"/>
-              <a:t>2/24/2023</a:t>
+              <a:t>3/7/2023</a:t>
             </a:fld>
             <a:endParaRPr lang="en-US"/>
           </a:p>
@@ -691,7 +691,7 @@
           <a:p>
             <a:fld id="{71FD7FF2-845F-41B9-944F-35B90659B7D6}" type="datetimeFigureOut">
               <a:rPr lang="en-US" smtClean="0"/>
-              <a:t>2/24/2023</a:t>
+              <a:t>3/7/2023</a:t>
             </a:fld>
             <a:endParaRPr lang="en-US"/>
           </a:p>
@@ -855,7 +855,7 @@
           <a:p>
             <a:fld id="{71FD7FF2-845F-41B9-944F-35B90659B7D6}" type="datetimeFigureOut">
               <a:rPr lang="en-US" smtClean="0"/>
-              <a:t>2/24/2023</a:t>
+              <a:t>3/7/2023</a:t>
             </a:fld>
             <a:endParaRPr lang="en-US"/>
           </a:p>
@@ -1029,7 +1029,7 @@
           <a:p>
             <a:fld id="{71FD7FF2-845F-41B9-944F-35B90659B7D6}" type="datetimeFigureOut">
               <a:rPr lang="en-US" smtClean="0"/>
-              <a:t>2/24/2023</a:t>
+              <a:t>3/7/2023</a:t>
             </a:fld>
             <a:endParaRPr lang="en-US"/>
           </a:p>
@@ -1193,7 +1193,7 @@
           <a:p>
             <a:fld id="{71FD7FF2-845F-41B9-944F-35B90659B7D6}" type="datetimeFigureOut">
               <a:rPr lang="en-US" smtClean="0"/>
-              <a:t>2/24/2023</a:t>
+              <a:t>3/7/2023</a:t>
             </a:fld>
             <a:endParaRPr lang="en-US"/>
           </a:p>
@@ -1434,7 +1434,7 @@
           <a:p>
             <a:fld id="{71FD7FF2-845F-41B9-944F-35B90659B7D6}" type="datetimeFigureOut">
               <a:rPr lang="en-US" smtClean="0"/>
-              <a:t>2/24/2023</a:t>
+              <a:t>3/7/2023</a:t>
             </a:fld>
             <a:endParaRPr lang="en-US"/>
           </a:p>
@@ -1659,7 +1659,7 @@
           <a:p>
             <a:fld id="{71FD7FF2-845F-41B9-944F-35B90659B7D6}" type="datetimeFigureOut">
               <a:rPr lang="en-US" smtClean="0"/>
-              <a:t>2/24/2023</a:t>
+              <a:t>3/7/2023</a:t>
             </a:fld>
             <a:endParaRPr lang="en-US"/>
           </a:p>
@@ -2019,7 +2019,7 @@
           <a:p>
             <a:fld id="{71FD7FF2-845F-41B9-944F-35B90659B7D6}" type="datetimeFigureOut">
               <a:rPr lang="en-US" smtClean="0"/>
-              <a:t>2/24/2023</a:t>
+              <a:t>3/7/2023</a:t>
             </a:fld>
             <a:endParaRPr lang="en-US"/>
           </a:p>
@@ -2132,7 +2132,7 @@
           <a:p>
             <a:fld id="{71FD7FF2-845F-41B9-944F-35B90659B7D6}" type="datetimeFigureOut">
               <a:rPr lang="en-US" smtClean="0"/>
-              <a:t>2/24/2023</a:t>
+              <a:t>3/7/2023</a:t>
             </a:fld>
             <a:endParaRPr lang="en-US"/>
           </a:p>
@@ -2223,7 +2223,7 @@
           <a:p>
             <a:fld id="{71FD7FF2-845F-41B9-944F-35B90659B7D6}" type="datetimeFigureOut">
               <a:rPr lang="en-US" smtClean="0"/>
-              <a:t>2/24/2023</a:t>
+              <a:t>3/7/2023</a:t>
             </a:fld>
             <a:endParaRPr lang="en-US"/>
           </a:p>
@@ -2494,7 +2494,7 @@
           <a:p>
             <a:fld id="{71FD7FF2-845F-41B9-944F-35B90659B7D6}" type="datetimeFigureOut">
               <a:rPr lang="en-US" smtClean="0"/>
-              <a:t>2/24/2023</a:t>
+              <a:t>3/7/2023</a:t>
             </a:fld>
             <a:endParaRPr lang="en-US"/>
           </a:p>
@@ -2746,7 +2746,7 @@
           <a:p>
             <a:fld id="{71FD7FF2-845F-41B9-944F-35B90659B7D6}" type="datetimeFigureOut">
               <a:rPr lang="en-US" smtClean="0"/>
-              <a:t>2/24/2023</a:t>
+              <a:t>3/7/2023</a:t>
             </a:fld>
             <a:endParaRPr lang="en-US"/>
           </a:p>
@@ -2953,7 +2953,7 @@
           <a:p>
             <a:fld id="{71FD7FF2-845F-41B9-944F-35B90659B7D6}" type="datetimeFigureOut">
               <a:rPr lang="en-US" smtClean="0"/>
-              <a:t>2/24/2023</a:t>
+              <a:t>3/7/2023</a:t>
             </a:fld>
             <a:endParaRPr lang="en-US"/>
           </a:p>
@@ -3595,7 +3595,7 @@
         <p:spPr>
           <a:xfrm>
             <a:off x="1655885" y="666750"/>
-            <a:ext cx="1164980" cy="1372410"/>
+            <a:ext cx="1164980" cy="1585770"/>
           </a:xfrm>
           <a:prstGeom prst="rect">
             <a:avLst/>
@@ -3641,6 +3641,12 @@
             <a:r>
               <a:rPr lang="en-US" sz="1400"/>
               <a:t>contraseña</a:t>
+            </a:r>
+          </a:p>
+          <a:p>
+            <a:r>
+              <a:rPr lang="en-US" sz="1400"/>
+              <a:t>reserva</a:t>
             </a:r>
           </a:p>
         </p:txBody>
@@ -3805,6 +3811,44 @@
           </a:xfrm>
           <a:prstGeom prst="bentConnector3">
             <a:avLst/>
+          </a:prstGeom>
+          <a:ln>
+            <a:solidFill>
+              <a:schemeClr val="tx1"/>
+            </a:solidFill>
+            <a:tailEnd type="triangle"/>
+          </a:ln>
+        </p:spPr>
+        <p:style>
+          <a:lnRef idx="1">
+            <a:schemeClr val="accent1"/>
+          </a:lnRef>
+          <a:fillRef idx="0">
+            <a:schemeClr val="accent1"/>
+          </a:fillRef>
+          <a:effectRef idx="0">
+            <a:schemeClr val="accent1"/>
+          </a:effectRef>
+          <a:fontRef idx="minor">
+            <a:schemeClr val="tx1"/>
+          </a:fontRef>
+        </p:style>
+      </p:cxnSp>
+      <p:cxnSp>
+        <p:nvCxnSpPr>
+          <p:cNvPr id="24" name="Conector doblado 3 23"/>
+          <p:cNvCxnSpPr/>
+          <p:nvPr/>
+        </p:nvCxnSpPr>
+        <p:spPr>
+          <a:xfrm flipH="1" flipV="1">
+            <a:off x="2333134" y="2105320"/>
+            <a:ext cx="1437588" cy="1712536"/>
+          </a:xfrm>
+          <a:prstGeom prst="bentConnector3">
+            <a:avLst>
+              <a:gd name="adj1" fmla="val -256"/>
+            </a:avLst>
           </a:prstGeom>
           <a:ln>
             <a:solidFill>
